--- a/20231201_class/클래스 개념.ver9.pptx
+++ b/20231201_class/클래스 개념.ver9.pptx
@@ -7890,12 +7890,48 @@
           </a:p>
         </p:txBody>
       </p:sp>
+      <p:sp>
+        <p:nvSpPr>
+          <p:cNvPr id="31" name="TextBox 30">
+            <a:extLst>
+              <a:ext uri="{FF2B5EF4-FFF2-40B4-BE49-F238E27FC236}">
+                <a16:creationId xmlns:a16="http://schemas.microsoft.com/office/drawing/2014/main" id="{9638B86B-C843-3418-B632-2F3CA099ECC3}"/>
+              </a:ext>
+            </a:extLst>
+          </p:cNvPr>
+          <p:cNvSpPr txBox="1"/>
+          <p:nvPr/>
+        </p:nvSpPr>
+        <p:spPr>
+          <a:xfrm>
+            <a:off x="6905443" y="2051474"/>
+            <a:ext cx="5506337" cy="338554"/>
+          </a:xfrm>
+          <a:prstGeom prst="rect">
+            <a:avLst/>
+          </a:prstGeom>
+          <a:noFill/>
+        </p:spPr>
+        <p:txBody>
+          <a:bodyPr wrap="square" rtlCol="0">
+            <a:spAutoFit/>
+          </a:bodyPr>
+          <a:lstStyle/>
+          <a:p>
+            <a:r>
+              <a:rPr lang="en-US" altLang="ko-KR" sz="1600" b="1" dirty="0"/>
+              <a:t>Object</a:t>
+            </a:r>
+            <a:endParaRPr lang="ko-KR" altLang="en-US" sz="1600" b="1" dirty="0"/>
+          </a:p>
+        </p:txBody>
+      </p:sp>
       <p:pic>
         <p:nvPicPr>
-          <p:cNvPr id="18" name="그림 17">
+          <p:cNvPr id="19" name="그림 18">
             <a:extLst>
               <a:ext uri="{FF2B5EF4-FFF2-40B4-BE49-F238E27FC236}">
-                <a16:creationId xmlns:a16="http://schemas.microsoft.com/office/drawing/2014/main" id="{7AAC9C45-48CC-825A-CFAB-4DB845A74828}"/>
+                <a16:creationId xmlns:a16="http://schemas.microsoft.com/office/drawing/2014/main" id="{993EC579-440A-7EDC-316C-88C03913681A}"/>
               </a:ext>
             </a:extLst>
           </p:cNvPr>
@@ -7912,50 +7948,14 @@
         </p:blipFill>
         <p:spPr>
           <a:xfrm>
-            <a:off x="1078354" y="1236923"/>
-            <a:ext cx="2495887" cy="2342818"/>
+            <a:off x="1259034" y="1236385"/>
+            <a:ext cx="2245600" cy="2370989"/>
           </a:xfrm>
           <a:prstGeom prst="rect">
             <a:avLst/>
           </a:prstGeom>
         </p:spPr>
       </p:pic>
-      <p:sp>
-        <p:nvSpPr>
-          <p:cNvPr id="31" name="TextBox 30">
-            <a:extLst>
-              <a:ext uri="{FF2B5EF4-FFF2-40B4-BE49-F238E27FC236}">
-                <a16:creationId xmlns:a16="http://schemas.microsoft.com/office/drawing/2014/main" id="{9638B86B-C843-3418-B632-2F3CA099ECC3}"/>
-              </a:ext>
-            </a:extLst>
-          </p:cNvPr>
-          <p:cNvSpPr txBox="1"/>
-          <p:nvPr/>
-        </p:nvSpPr>
-        <p:spPr>
-          <a:xfrm>
-            <a:off x="6905443" y="2051474"/>
-            <a:ext cx="5506337" cy="338554"/>
-          </a:xfrm>
-          <a:prstGeom prst="rect">
-            <a:avLst/>
-          </a:prstGeom>
-          <a:noFill/>
-        </p:spPr>
-        <p:txBody>
-          <a:bodyPr wrap="square" rtlCol="0">
-            <a:spAutoFit/>
-          </a:bodyPr>
-          <a:lstStyle/>
-          <a:p>
-            <a:r>
-              <a:rPr lang="en-US" altLang="ko-KR" sz="1600" b="1" dirty="0"/>
-              <a:t>Object</a:t>
-            </a:r>
-            <a:endParaRPr lang="ko-KR" altLang="en-US" sz="1600" b="1" dirty="0"/>
-          </a:p>
-        </p:txBody>
-      </p:sp>
       <p:sp>
         <p:nvSpPr>
           <p:cNvPr id="24" name="직사각형 23">
@@ -7971,7 +7971,7 @@
         <p:spPr>
           <a:xfrm>
             <a:off x="1606541" y="1241939"/>
-            <a:ext cx="1422400" cy="338554"/>
+            <a:ext cx="1422400" cy="280977"/>
           </a:xfrm>
           <a:prstGeom prst="rect">
             <a:avLst/>
@@ -8022,8 +8022,8 @@
         </p:nvSpPr>
         <p:spPr>
           <a:xfrm>
-            <a:off x="1378847" y="1717271"/>
-            <a:ext cx="1817783" cy="961026"/>
+            <a:off x="1378847" y="1573934"/>
+            <a:ext cx="1817783" cy="1439022"/>
           </a:xfrm>
           <a:prstGeom prst="rect">
             <a:avLst/>
@@ -8074,8 +8074,8 @@
         </p:nvSpPr>
         <p:spPr>
           <a:xfrm>
-            <a:off x="1378847" y="3012956"/>
-            <a:ext cx="1894902" cy="448544"/>
+            <a:off x="1378847" y="3187708"/>
+            <a:ext cx="1894902" cy="273792"/>
           </a:xfrm>
           <a:prstGeom prst="rect">
             <a:avLst/>
@@ -8131,7 +8131,7 @@
         <p:spPr>
           <a:xfrm flipV="1">
             <a:off x="3196630" y="2194420"/>
-            <a:ext cx="1224567" cy="3364"/>
+            <a:ext cx="1224567" cy="99025"/>
           </a:xfrm>
           <a:prstGeom prst="straightConnector1">
             <a:avLst/>
@@ -8175,9 +8175,9 @@
           <p:nvPr/>
         </p:nvCxnSpPr>
         <p:spPr>
-          <a:xfrm>
+          <a:xfrm flipV="1">
             <a:off x="3273749" y="3237228"/>
-            <a:ext cx="1147448" cy="0"/>
+            <a:ext cx="1147448" cy="87376"/>
           </a:xfrm>
           <a:prstGeom prst="straightConnector1">
             <a:avLst/>
@@ -8222,8 +8222,8 @@
         </p:nvCxnSpPr>
         <p:spPr>
           <a:xfrm>
-            <a:off x="3028941" y="1411216"/>
-            <a:ext cx="1459123" cy="0"/>
+            <a:off x="3028941" y="1382428"/>
+            <a:ext cx="1459123" cy="28788"/>
           </a:xfrm>
           <a:prstGeom prst="straightConnector1">
             <a:avLst/>
@@ -8788,10 +8788,10 @@
       </p:grpSp>
       <p:sp>
         <p:nvSpPr>
-          <p:cNvPr id="15" name="직사각형 14">
+          <p:cNvPr id="17" name="직사각형 16">
             <a:extLst>
               <a:ext uri="{FF2B5EF4-FFF2-40B4-BE49-F238E27FC236}">
-                <a16:creationId xmlns:a16="http://schemas.microsoft.com/office/drawing/2014/main" id="{7C15C845-11D3-89E8-15D6-B38DB2E3256B}"/>
+                <a16:creationId xmlns:a16="http://schemas.microsoft.com/office/drawing/2014/main" id="{94C2E503-6AF9-666C-879C-2F941089DD16}"/>
               </a:ext>
             </a:extLst>
           </p:cNvPr>
@@ -8800,7 +8800,7 @@
         </p:nvSpPr>
         <p:spPr>
           <a:xfrm>
-            <a:off x="6220412" y="2353133"/>
+            <a:off x="7291137" y="2289587"/>
             <a:ext cx="637674" cy="191605"/>
           </a:xfrm>
           <a:prstGeom prst="rect">
@@ -8840,10 +8840,10 @@
       </p:sp>
       <p:sp>
         <p:nvSpPr>
-          <p:cNvPr id="18" name="TextBox 17">
+          <p:cNvPr id="22" name="TextBox 21">
             <a:extLst>
               <a:ext uri="{FF2B5EF4-FFF2-40B4-BE49-F238E27FC236}">
-                <a16:creationId xmlns:a16="http://schemas.microsoft.com/office/drawing/2014/main" id="{46605C83-9925-4816-B323-0AFF14568FFD}"/>
+                <a16:creationId xmlns:a16="http://schemas.microsoft.com/office/drawing/2014/main" id="{A79772FC-1E41-B890-8707-400F1DF51D62}"/>
               </a:ext>
             </a:extLst>
           </p:cNvPr>
@@ -8852,7 +8852,7 @@
         </p:nvSpPr>
         <p:spPr>
           <a:xfrm>
-            <a:off x="5847718" y="1399563"/>
+            <a:off x="6918443" y="1336017"/>
             <a:ext cx="1403400" cy="369332"/>
           </a:xfrm>
           <a:prstGeom prst="rect">
@@ -8876,10 +8876,10 @@
       </p:sp>
       <p:sp>
         <p:nvSpPr>
-          <p:cNvPr id="19" name="TextBox 18">
+          <p:cNvPr id="24" name="TextBox 23">
             <a:extLst>
               <a:ext uri="{FF2B5EF4-FFF2-40B4-BE49-F238E27FC236}">
-                <a16:creationId xmlns:a16="http://schemas.microsoft.com/office/drawing/2014/main" id="{B2E50CE1-8885-780B-CA7A-0F29A1B0D427}"/>
+                <a16:creationId xmlns:a16="http://schemas.microsoft.com/office/drawing/2014/main" id="{D1DCF533-CD96-7D4F-66AC-AB4F00D5FD5A}"/>
               </a:ext>
             </a:extLst>
           </p:cNvPr>
@@ -8888,7 +8888,7 @@
         </p:nvSpPr>
         <p:spPr>
           <a:xfrm>
-            <a:off x="5780851" y="3225575"/>
+            <a:off x="6851576" y="2119221"/>
             <a:ext cx="1403400" cy="369332"/>
           </a:xfrm>
           <a:prstGeom prst="rect">
@@ -8904,6 +8904,42 @@
           <a:p>
             <a:r>
               <a:rPr lang="en-US" altLang="ko-KR" dirty="0"/>
+              <a:t>Attribute</a:t>
+            </a:r>
+            <a:endParaRPr lang="ko-KR" altLang="en-US" dirty="0"/>
+          </a:p>
+        </p:txBody>
+      </p:sp>
+      <p:sp>
+        <p:nvSpPr>
+          <p:cNvPr id="25" name="TextBox 24">
+            <a:extLst>
+              <a:ext uri="{FF2B5EF4-FFF2-40B4-BE49-F238E27FC236}">
+                <a16:creationId xmlns:a16="http://schemas.microsoft.com/office/drawing/2014/main" id="{DFAC663B-525A-FBB3-99E3-E77801A5C781}"/>
+              </a:ext>
+            </a:extLst>
+          </p:cNvPr>
+          <p:cNvSpPr txBox="1"/>
+          <p:nvPr/>
+        </p:nvSpPr>
+        <p:spPr>
+          <a:xfrm>
+            <a:off x="6851576" y="3162029"/>
+            <a:ext cx="1403400" cy="369332"/>
+          </a:xfrm>
+          <a:prstGeom prst="rect">
+            <a:avLst/>
+          </a:prstGeom>
+          <a:noFill/>
+        </p:spPr>
+        <p:txBody>
+          <a:bodyPr wrap="square" rtlCol="0">
+            <a:spAutoFit/>
+          </a:bodyPr>
+          <a:lstStyle/>
+          <a:p>
+            <a:r>
+              <a:rPr lang="en-US" altLang="ko-KR" dirty="0"/>
               <a:t>Method</a:t>
             </a:r>
             <a:endParaRPr lang="ko-KR" altLang="en-US" dirty="0"/>
@@ -8912,10 +8948,10 @@
       </p:sp>
       <p:pic>
         <p:nvPicPr>
-          <p:cNvPr id="20" name="그림 19">
+          <p:cNvPr id="26" name="그림 25">
             <a:extLst>
               <a:ext uri="{FF2B5EF4-FFF2-40B4-BE49-F238E27FC236}">
-                <a16:creationId xmlns:a16="http://schemas.microsoft.com/office/drawing/2014/main" id="{DFA29EE1-DD3B-2A92-DD34-DAB05EA5AFC0}"/>
+                <a16:creationId xmlns:a16="http://schemas.microsoft.com/office/drawing/2014/main" id="{D07FC10C-8586-E717-6291-BABEDCB1C052}"/>
               </a:ext>
             </a:extLst>
           </p:cNvPr>
@@ -8932,8 +8968,8 @@
         </p:blipFill>
         <p:spPr>
           <a:xfrm>
-            <a:off x="2438008" y="1409936"/>
-            <a:ext cx="2495887" cy="2342818"/>
+            <a:off x="3689413" y="1345852"/>
+            <a:ext cx="2245600" cy="2370989"/>
           </a:xfrm>
           <a:prstGeom prst="rect">
             <a:avLst/>
@@ -8942,10 +8978,10 @@
       </p:pic>
       <p:sp>
         <p:nvSpPr>
-          <p:cNvPr id="21" name="직사각형 20">
+          <p:cNvPr id="27" name="직사각형 26">
             <a:extLst>
               <a:ext uri="{FF2B5EF4-FFF2-40B4-BE49-F238E27FC236}">
-                <a16:creationId xmlns:a16="http://schemas.microsoft.com/office/drawing/2014/main" id="{8B74ABB8-EE75-7E58-CF4E-42D342D4639C}"/>
+                <a16:creationId xmlns:a16="http://schemas.microsoft.com/office/drawing/2014/main" id="{1AB5524F-6B23-83D8-F3B5-417D4ECB091C}"/>
               </a:ext>
             </a:extLst>
           </p:cNvPr>
@@ -8954,8 +8990,8 @@
         </p:nvSpPr>
         <p:spPr>
           <a:xfrm>
-            <a:off x="2966195" y="1414952"/>
-            <a:ext cx="1422400" cy="338554"/>
+            <a:off x="4036920" y="1351406"/>
+            <a:ext cx="1422400" cy="280977"/>
           </a:xfrm>
           <a:prstGeom prst="rect">
             <a:avLst/>
@@ -8994,10 +9030,10 @@
       </p:sp>
       <p:sp>
         <p:nvSpPr>
-          <p:cNvPr id="23" name="직사각형 22">
+          <p:cNvPr id="28" name="직사각형 27">
             <a:extLst>
               <a:ext uri="{FF2B5EF4-FFF2-40B4-BE49-F238E27FC236}">
-                <a16:creationId xmlns:a16="http://schemas.microsoft.com/office/drawing/2014/main" id="{8D14559D-3BB4-7DC6-8C0C-64E908726391}"/>
+                <a16:creationId xmlns:a16="http://schemas.microsoft.com/office/drawing/2014/main" id="{A3871736-7D8C-BE1D-D940-C5964F26BEE6}"/>
               </a:ext>
             </a:extLst>
           </p:cNvPr>
@@ -9006,8 +9042,8 @@
         </p:nvSpPr>
         <p:spPr>
           <a:xfrm>
-            <a:off x="2738501" y="1890284"/>
-            <a:ext cx="1817783" cy="961026"/>
+            <a:off x="3809226" y="1683401"/>
+            <a:ext cx="1817783" cy="1439022"/>
           </a:xfrm>
           <a:prstGeom prst="rect">
             <a:avLst/>
@@ -9046,10 +9082,10 @@
       </p:sp>
       <p:sp>
         <p:nvSpPr>
-          <p:cNvPr id="29" name="직사각형 28">
+          <p:cNvPr id="32" name="직사각형 31">
             <a:extLst>
               <a:ext uri="{FF2B5EF4-FFF2-40B4-BE49-F238E27FC236}">
-                <a16:creationId xmlns:a16="http://schemas.microsoft.com/office/drawing/2014/main" id="{998E5B40-0D0B-AAC8-A366-8CA07FB45BB0}"/>
+                <a16:creationId xmlns:a16="http://schemas.microsoft.com/office/drawing/2014/main" id="{539749EA-9C91-727D-648E-79D2B2AFEA97}"/>
               </a:ext>
             </a:extLst>
           </p:cNvPr>
@@ -9058,8 +9094,8 @@
         </p:nvSpPr>
         <p:spPr>
           <a:xfrm>
-            <a:off x="2738501" y="3185969"/>
-            <a:ext cx="1894902" cy="448544"/>
+            <a:off x="3809226" y="3297175"/>
+            <a:ext cx="1894902" cy="273792"/>
           </a:xfrm>
           <a:prstGeom prst="rect">
             <a:avLst/>
@@ -9098,23 +9134,24 @@
       </p:sp>
       <p:cxnSp>
         <p:nvCxnSpPr>
-          <p:cNvPr id="30" name="직선 화살표 연결선 29">
+          <p:cNvPr id="33" name="직선 화살표 연결선 32">
             <a:extLst>
               <a:ext uri="{FF2B5EF4-FFF2-40B4-BE49-F238E27FC236}">
-                <a16:creationId xmlns:a16="http://schemas.microsoft.com/office/drawing/2014/main" id="{9F21B8FD-8834-4CBE-4BBB-748CCBA94712}"/>
+                <a16:creationId xmlns:a16="http://schemas.microsoft.com/office/drawing/2014/main" id="{25C949ED-4120-F5AA-54E0-16E5D6A9BC30}"/>
               </a:ext>
             </a:extLst>
           </p:cNvPr>
           <p:cNvCxnSpPr>
             <a:cxnSpLocks/>
-            <a:stCxn id="23" idx="3"/>
+            <a:stCxn id="28" idx="3"/>
+            <a:endCxn id="24" idx="1"/>
           </p:cNvCxnSpPr>
           <p:nvPr/>
         </p:nvCxnSpPr>
         <p:spPr>
           <a:xfrm flipV="1">
-            <a:off x="4556284" y="2367433"/>
-            <a:ext cx="1224567" cy="3364"/>
+            <a:off x="5627009" y="2303887"/>
+            <a:ext cx="1224567" cy="99025"/>
           </a:xfrm>
           <a:prstGeom prst="straightConnector1">
             <a:avLst/>
@@ -9143,24 +9180,24 @@
       </p:cxnSp>
       <p:cxnSp>
         <p:nvCxnSpPr>
-          <p:cNvPr id="31" name="직선 화살표 연결선 30">
+          <p:cNvPr id="35" name="직선 화살표 연결선 34">
             <a:extLst>
               <a:ext uri="{FF2B5EF4-FFF2-40B4-BE49-F238E27FC236}">
-                <a16:creationId xmlns:a16="http://schemas.microsoft.com/office/drawing/2014/main" id="{67296417-753E-7C80-9906-38900852CC95}"/>
+                <a16:creationId xmlns:a16="http://schemas.microsoft.com/office/drawing/2014/main" id="{53006763-1661-94AE-E89B-4FBFE6EB9F8F}"/>
               </a:ext>
             </a:extLst>
           </p:cNvPr>
           <p:cNvCxnSpPr>
             <a:cxnSpLocks/>
-            <a:stCxn id="29" idx="3"/>
-            <a:endCxn id="19" idx="1"/>
+            <a:stCxn id="32" idx="3"/>
+            <a:endCxn id="25" idx="1"/>
           </p:cNvCxnSpPr>
           <p:nvPr/>
         </p:nvCxnSpPr>
         <p:spPr>
-          <a:xfrm>
-            <a:off x="4633403" y="3410241"/>
-            <a:ext cx="1147448" cy="0"/>
+          <a:xfrm flipV="1">
+            <a:off x="5704128" y="3346695"/>
+            <a:ext cx="1147448" cy="87376"/>
           </a:xfrm>
           <a:prstGeom prst="straightConnector1">
             <a:avLst/>
@@ -9189,24 +9226,24 @@
       </p:cxnSp>
       <p:cxnSp>
         <p:nvCxnSpPr>
-          <p:cNvPr id="34" name="직선 화살표 연결선 33">
+          <p:cNvPr id="37" name="직선 화살표 연결선 36">
             <a:extLst>
               <a:ext uri="{FF2B5EF4-FFF2-40B4-BE49-F238E27FC236}">
-                <a16:creationId xmlns:a16="http://schemas.microsoft.com/office/drawing/2014/main" id="{B68B293E-1337-A303-5A66-CAD3BF5AF02E}"/>
+                <a16:creationId xmlns:a16="http://schemas.microsoft.com/office/drawing/2014/main" id="{6F584160-524F-ED60-95A3-139D96DD0C4B}"/>
               </a:ext>
             </a:extLst>
           </p:cNvPr>
           <p:cNvCxnSpPr>
             <a:cxnSpLocks/>
-            <a:stCxn id="21" idx="3"/>
-            <a:endCxn id="18" idx="1"/>
+            <a:stCxn id="27" idx="3"/>
+            <a:endCxn id="22" idx="1"/>
           </p:cNvCxnSpPr>
           <p:nvPr/>
         </p:nvCxnSpPr>
         <p:spPr>
           <a:xfrm>
-            <a:off x="4388595" y="1584229"/>
-            <a:ext cx="1459123" cy="0"/>
+            <a:off x="5459320" y="1491895"/>
+            <a:ext cx="1459123" cy="28788"/>
           </a:xfrm>
           <a:prstGeom prst="straightConnector1">
             <a:avLst/>
@@ -9233,42 +9270,6 @@
           </a:fontRef>
         </p:style>
       </p:cxnSp>
-      <p:sp>
-        <p:nvSpPr>
-          <p:cNvPr id="36" name="TextBox 35">
-            <a:extLst>
-              <a:ext uri="{FF2B5EF4-FFF2-40B4-BE49-F238E27FC236}">
-                <a16:creationId xmlns:a16="http://schemas.microsoft.com/office/drawing/2014/main" id="{37CBB6A3-F26E-6D3D-A738-552F2D5478F9}"/>
-              </a:ext>
-            </a:extLst>
-          </p:cNvPr>
-          <p:cNvSpPr txBox="1"/>
-          <p:nvPr/>
-        </p:nvSpPr>
-        <p:spPr>
-          <a:xfrm>
-            <a:off x="5780851" y="2191536"/>
-            <a:ext cx="1403400" cy="369332"/>
-          </a:xfrm>
-          <a:prstGeom prst="rect">
-            <a:avLst/>
-          </a:prstGeom>
-          <a:noFill/>
-        </p:spPr>
-        <p:txBody>
-          <a:bodyPr wrap="square" rtlCol="0">
-            <a:spAutoFit/>
-          </a:bodyPr>
-          <a:lstStyle/>
-          <a:p>
-            <a:r>
-              <a:rPr lang="en-US" altLang="ko-KR" dirty="0"/>
-              <a:t>Attribute</a:t>
-            </a:r>
-            <a:endParaRPr lang="ko-KR" altLang="en-US" dirty="0"/>
-          </a:p>
-        </p:txBody>
-      </p:sp>
     </p:spTree>
     <p:extLst>
       <p:ext uri="{BB962C8B-B14F-4D97-AF65-F5344CB8AC3E}">

--- a/20231201_class/클래스 개념.ver9.pptx
+++ b/20231201_class/클래스 개념.ver9.pptx
@@ -7678,10 +7678,770 @@
       </p:grpSp>
       <p:sp>
         <p:nvSpPr>
-          <p:cNvPr id="15" name="직사각형 14">
+          <p:cNvPr id="30" name="TextBox 29">
             <a:extLst>
               <a:ext uri="{FF2B5EF4-FFF2-40B4-BE49-F238E27FC236}">
-                <a16:creationId xmlns:a16="http://schemas.microsoft.com/office/drawing/2014/main" id="{488F77F7-B466-FAD2-1C68-81084FF00358}"/>
+                <a16:creationId xmlns:a16="http://schemas.microsoft.com/office/drawing/2014/main" id="{8494F371-71C6-F09C-1B1F-516F67C8E9A9}"/>
+              </a:ext>
+            </a:extLst>
+          </p:cNvPr>
+          <p:cNvSpPr txBox="1"/>
+          <p:nvPr/>
+        </p:nvSpPr>
+        <p:spPr>
+          <a:xfrm>
+            <a:off x="8950479" y="1969812"/>
+            <a:ext cx="3162016" cy="1200329"/>
+          </a:xfrm>
+          <a:prstGeom prst="rect">
+            <a:avLst/>
+          </a:prstGeom>
+          <a:noFill/>
+        </p:spPr>
+        <p:txBody>
+          <a:bodyPr wrap="square" rtlCol="0">
+            <a:spAutoFit/>
+          </a:bodyPr>
+          <a:lstStyle/>
+          <a:p>
+            <a:r>
+              <a:rPr lang="en-US" altLang="ko-KR" dirty="0"/>
+              <a:t>aa10_lidar_cone_tracking</a:t>
+            </a:r>
+          </a:p>
+          <a:p>
+            <a:r>
+              <a:rPr lang="en-US" altLang="ko-KR" dirty="0"/>
+              <a:t>aa10_ros_lane_control</a:t>
+            </a:r>
+          </a:p>
+          <a:p>
+            <a:r>
+              <a:rPr lang="en-US" altLang="ko-KR" dirty="0"/>
+              <a:t>aa10_lidar_overtake_control</a:t>
+            </a:r>
+          </a:p>
+          <a:p>
+            <a:r>
+              <a:rPr lang="en-US" altLang="ko-KR" dirty="0"/>
+              <a:t>aa10_lidar_maze_control</a:t>
+            </a:r>
+            <a:endParaRPr lang="ko-KR" altLang="en-US" dirty="0"/>
+          </a:p>
+        </p:txBody>
+      </p:sp>
+      <p:sp>
+        <p:nvSpPr>
+          <p:cNvPr id="31" name="TextBox 30">
+            <a:extLst>
+              <a:ext uri="{FF2B5EF4-FFF2-40B4-BE49-F238E27FC236}">
+                <a16:creationId xmlns:a16="http://schemas.microsoft.com/office/drawing/2014/main" id="{9638B86B-C843-3418-B632-2F3CA099ECC3}"/>
+              </a:ext>
+            </a:extLst>
+          </p:cNvPr>
+          <p:cNvSpPr txBox="1"/>
+          <p:nvPr/>
+        </p:nvSpPr>
+        <p:spPr>
+          <a:xfrm>
+            <a:off x="8503446" y="1653674"/>
+            <a:ext cx="5506337" cy="338554"/>
+          </a:xfrm>
+          <a:prstGeom prst="rect">
+            <a:avLst/>
+          </a:prstGeom>
+          <a:noFill/>
+        </p:spPr>
+        <p:txBody>
+          <a:bodyPr wrap="square" rtlCol="0">
+            <a:spAutoFit/>
+          </a:bodyPr>
+          <a:lstStyle/>
+          <a:p>
+            <a:r>
+              <a:rPr lang="en-US" altLang="ko-KR" sz="1600" b="1" dirty="0"/>
+              <a:t>Object</a:t>
+            </a:r>
+            <a:endParaRPr lang="ko-KR" altLang="en-US" sz="1600" b="1" dirty="0"/>
+          </a:p>
+        </p:txBody>
+      </p:sp>
+      <p:grpSp>
+        <p:nvGrpSpPr>
+          <p:cNvPr id="32" name="그룹 31">
+            <a:extLst>
+              <a:ext uri="{FF2B5EF4-FFF2-40B4-BE49-F238E27FC236}">
+                <a16:creationId xmlns:a16="http://schemas.microsoft.com/office/drawing/2014/main" id="{D252F88C-7F84-8709-02A2-176B2A61C8C2}"/>
+              </a:ext>
+            </a:extLst>
+          </p:cNvPr>
+          <p:cNvGrpSpPr/>
+          <p:nvPr/>
+        </p:nvGrpSpPr>
+        <p:grpSpPr>
+          <a:xfrm>
+            <a:off x="718011" y="1192691"/>
+            <a:ext cx="4632430" cy="2380824"/>
+            <a:chOff x="1259034" y="1226550"/>
+            <a:chExt cx="4632430" cy="2380824"/>
+          </a:xfrm>
+        </p:grpSpPr>
+        <p:sp>
+          <p:nvSpPr>
+            <p:cNvPr id="15" name="직사각형 14">
+              <a:extLst>
+                <a:ext uri="{FF2B5EF4-FFF2-40B4-BE49-F238E27FC236}">
+                  <a16:creationId xmlns:a16="http://schemas.microsoft.com/office/drawing/2014/main" id="{488F77F7-B466-FAD2-1C68-81084FF00358}"/>
+                </a:ext>
+              </a:extLst>
+            </p:cNvPr>
+            <p:cNvSpPr/>
+            <p:nvPr/>
+          </p:nvSpPr>
+          <p:spPr>
+            <a:xfrm>
+              <a:off x="4860758" y="2180120"/>
+              <a:ext cx="637674" cy="191605"/>
+            </a:xfrm>
+            <a:prstGeom prst="rect">
+              <a:avLst/>
+            </a:prstGeom>
+            <a:solidFill>
+              <a:srgbClr val="FFFFFF"/>
+            </a:solidFill>
+            <a:ln>
+              <a:noFill/>
+            </a:ln>
+          </p:spPr>
+          <p:style>
+            <a:lnRef idx="2">
+              <a:schemeClr val="accent1">
+                <a:shade val="15000"/>
+              </a:schemeClr>
+            </a:lnRef>
+            <a:fillRef idx="1">
+              <a:schemeClr val="accent1"/>
+            </a:fillRef>
+            <a:effectRef idx="0">
+              <a:schemeClr val="accent1"/>
+            </a:effectRef>
+            <a:fontRef idx="minor">
+              <a:schemeClr val="lt1"/>
+            </a:fontRef>
+          </p:style>
+          <p:txBody>
+            <a:bodyPr rtlCol="0" anchor="ctr"/>
+            <a:lstStyle/>
+            <a:p>
+              <a:pPr algn="ctr"/>
+              <a:endParaRPr lang="ko-KR" altLang="en-US"/>
+            </a:p>
+          </p:txBody>
+        </p:sp>
+        <p:sp>
+          <p:nvSpPr>
+            <p:cNvPr id="20" name="TextBox 19">
+              <a:extLst>
+                <a:ext uri="{FF2B5EF4-FFF2-40B4-BE49-F238E27FC236}">
+                  <a16:creationId xmlns:a16="http://schemas.microsoft.com/office/drawing/2014/main" id="{7F70B71A-ED4C-06C9-C211-65B8778E2C2D}"/>
+                </a:ext>
+              </a:extLst>
+            </p:cNvPr>
+            <p:cNvSpPr txBox="1"/>
+            <p:nvPr/>
+          </p:nvSpPr>
+          <p:spPr>
+            <a:xfrm>
+              <a:off x="4488064" y="1226550"/>
+              <a:ext cx="1403400" cy="369332"/>
+            </a:xfrm>
+            <a:prstGeom prst="rect">
+              <a:avLst/>
+            </a:prstGeom>
+            <a:noFill/>
+          </p:spPr>
+          <p:txBody>
+            <a:bodyPr wrap="square" rtlCol="0">
+              <a:spAutoFit/>
+            </a:bodyPr>
+            <a:lstStyle/>
+            <a:p>
+              <a:r>
+                <a:rPr lang="en-US" altLang="ko-KR" dirty="0"/>
+                <a:t>Class</a:t>
+              </a:r>
+              <a:endParaRPr lang="ko-KR" altLang="en-US" dirty="0"/>
+            </a:p>
+          </p:txBody>
+        </p:sp>
+        <p:sp>
+          <p:nvSpPr>
+            <p:cNvPr id="21" name="TextBox 20">
+              <a:extLst>
+                <a:ext uri="{FF2B5EF4-FFF2-40B4-BE49-F238E27FC236}">
+                  <a16:creationId xmlns:a16="http://schemas.microsoft.com/office/drawing/2014/main" id="{9F74B0F4-F0C4-C269-F0FC-74D02E6920E7}"/>
+                </a:ext>
+              </a:extLst>
+            </p:cNvPr>
+            <p:cNvSpPr txBox="1"/>
+            <p:nvPr/>
+          </p:nvSpPr>
+          <p:spPr>
+            <a:xfrm>
+              <a:off x="4421197" y="2009754"/>
+              <a:ext cx="1403400" cy="369332"/>
+            </a:xfrm>
+            <a:prstGeom prst="rect">
+              <a:avLst/>
+            </a:prstGeom>
+            <a:noFill/>
+          </p:spPr>
+          <p:txBody>
+            <a:bodyPr wrap="square" rtlCol="0">
+              <a:spAutoFit/>
+            </a:bodyPr>
+            <a:lstStyle/>
+            <a:p>
+              <a:r>
+                <a:rPr lang="en-US" altLang="ko-KR" dirty="0"/>
+                <a:t>Attribute</a:t>
+              </a:r>
+              <a:endParaRPr lang="ko-KR" altLang="en-US" dirty="0"/>
+            </a:p>
+          </p:txBody>
+        </p:sp>
+        <p:sp>
+          <p:nvSpPr>
+            <p:cNvPr id="22" name="TextBox 21">
+              <a:extLst>
+                <a:ext uri="{FF2B5EF4-FFF2-40B4-BE49-F238E27FC236}">
+                  <a16:creationId xmlns:a16="http://schemas.microsoft.com/office/drawing/2014/main" id="{F0DFAF92-E43C-EAF3-7DB2-1EEA720F8A7B}"/>
+                </a:ext>
+              </a:extLst>
+            </p:cNvPr>
+            <p:cNvSpPr txBox="1"/>
+            <p:nvPr/>
+          </p:nvSpPr>
+          <p:spPr>
+            <a:xfrm>
+              <a:off x="4421197" y="3052562"/>
+              <a:ext cx="1403400" cy="369332"/>
+            </a:xfrm>
+            <a:prstGeom prst="rect">
+              <a:avLst/>
+            </a:prstGeom>
+            <a:noFill/>
+          </p:spPr>
+          <p:txBody>
+            <a:bodyPr wrap="square" rtlCol="0">
+              <a:spAutoFit/>
+            </a:bodyPr>
+            <a:lstStyle/>
+            <a:p>
+              <a:r>
+                <a:rPr lang="en-US" altLang="ko-KR" dirty="0"/>
+                <a:t>Method</a:t>
+              </a:r>
+              <a:endParaRPr lang="ko-KR" altLang="en-US" dirty="0"/>
+            </a:p>
+          </p:txBody>
+        </p:sp>
+        <p:pic>
+          <p:nvPicPr>
+            <p:cNvPr id="19" name="그림 18">
+              <a:extLst>
+                <a:ext uri="{FF2B5EF4-FFF2-40B4-BE49-F238E27FC236}">
+                  <a16:creationId xmlns:a16="http://schemas.microsoft.com/office/drawing/2014/main" id="{993EC579-440A-7EDC-316C-88C03913681A}"/>
+                </a:ext>
+              </a:extLst>
+            </p:cNvPr>
+            <p:cNvPicPr>
+              <a:picLocks noChangeAspect="1"/>
+            </p:cNvPicPr>
+            <p:nvPr/>
+          </p:nvPicPr>
+          <p:blipFill>
+            <a:blip r:embed="rId2"/>
+            <a:stretch>
+              <a:fillRect/>
+            </a:stretch>
+          </p:blipFill>
+          <p:spPr>
+            <a:xfrm>
+              <a:off x="1259034" y="1236385"/>
+              <a:ext cx="2245600" cy="2370989"/>
+            </a:xfrm>
+            <a:prstGeom prst="rect">
+              <a:avLst/>
+            </a:prstGeom>
+          </p:spPr>
+        </p:pic>
+        <p:sp>
+          <p:nvSpPr>
+            <p:cNvPr id="24" name="직사각형 23">
+              <a:extLst>
+                <a:ext uri="{FF2B5EF4-FFF2-40B4-BE49-F238E27FC236}">
+                  <a16:creationId xmlns:a16="http://schemas.microsoft.com/office/drawing/2014/main" id="{113FB522-C97B-36C4-AA0F-39B2FEDF234C}"/>
+                </a:ext>
+              </a:extLst>
+            </p:cNvPr>
+            <p:cNvSpPr/>
+            <p:nvPr/>
+          </p:nvSpPr>
+          <p:spPr>
+            <a:xfrm>
+              <a:off x="1606541" y="1241939"/>
+              <a:ext cx="1422400" cy="280977"/>
+            </a:xfrm>
+            <a:prstGeom prst="rect">
+              <a:avLst/>
+            </a:prstGeom>
+            <a:noFill/>
+            <a:ln w="28575">
+              <a:solidFill>
+                <a:srgbClr val="FF0000"/>
+              </a:solidFill>
+            </a:ln>
+          </p:spPr>
+          <p:style>
+            <a:lnRef idx="2">
+              <a:schemeClr val="accent1">
+                <a:shade val="15000"/>
+              </a:schemeClr>
+            </a:lnRef>
+            <a:fillRef idx="1">
+              <a:schemeClr val="accent1"/>
+            </a:fillRef>
+            <a:effectRef idx="0">
+              <a:schemeClr val="accent1"/>
+            </a:effectRef>
+            <a:fontRef idx="minor">
+              <a:schemeClr val="lt1"/>
+            </a:fontRef>
+          </p:style>
+          <p:txBody>
+            <a:bodyPr rtlCol="0" anchor="ctr"/>
+            <a:lstStyle/>
+            <a:p>
+              <a:pPr algn="ctr"/>
+              <a:endParaRPr lang="ko-KR" altLang="en-US"/>
+            </a:p>
+          </p:txBody>
+        </p:sp>
+        <p:sp>
+          <p:nvSpPr>
+            <p:cNvPr id="25" name="직사각형 24">
+              <a:extLst>
+                <a:ext uri="{FF2B5EF4-FFF2-40B4-BE49-F238E27FC236}">
+                  <a16:creationId xmlns:a16="http://schemas.microsoft.com/office/drawing/2014/main" id="{EC93D68A-3FAF-D35A-515A-C28ACE1F2FEB}"/>
+                </a:ext>
+              </a:extLst>
+            </p:cNvPr>
+            <p:cNvSpPr/>
+            <p:nvPr/>
+          </p:nvSpPr>
+          <p:spPr>
+            <a:xfrm>
+              <a:off x="1378847" y="1573934"/>
+              <a:ext cx="1817783" cy="1439022"/>
+            </a:xfrm>
+            <a:prstGeom prst="rect">
+              <a:avLst/>
+            </a:prstGeom>
+            <a:noFill/>
+            <a:ln w="28575">
+              <a:solidFill>
+                <a:srgbClr val="FF0000"/>
+              </a:solidFill>
+            </a:ln>
+          </p:spPr>
+          <p:style>
+            <a:lnRef idx="2">
+              <a:schemeClr val="accent1">
+                <a:shade val="15000"/>
+              </a:schemeClr>
+            </a:lnRef>
+            <a:fillRef idx="1">
+              <a:schemeClr val="accent1"/>
+            </a:fillRef>
+            <a:effectRef idx="0">
+              <a:schemeClr val="accent1"/>
+            </a:effectRef>
+            <a:fontRef idx="minor">
+              <a:schemeClr val="lt1"/>
+            </a:fontRef>
+          </p:style>
+          <p:txBody>
+            <a:bodyPr rtlCol="0" anchor="ctr"/>
+            <a:lstStyle/>
+            <a:p>
+              <a:pPr algn="ctr"/>
+              <a:endParaRPr lang="ko-KR" altLang="en-US"/>
+            </a:p>
+          </p:txBody>
+        </p:sp>
+        <p:sp>
+          <p:nvSpPr>
+            <p:cNvPr id="26" name="직사각형 25">
+              <a:extLst>
+                <a:ext uri="{FF2B5EF4-FFF2-40B4-BE49-F238E27FC236}">
+                  <a16:creationId xmlns:a16="http://schemas.microsoft.com/office/drawing/2014/main" id="{2B7EE1C4-E7B1-CB0A-B3A3-373A7B04A48F}"/>
+                </a:ext>
+              </a:extLst>
+            </p:cNvPr>
+            <p:cNvSpPr/>
+            <p:nvPr/>
+          </p:nvSpPr>
+          <p:spPr>
+            <a:xfrm>
+              <a:off x="1378847" y="3187708"/>
+              <a:ext cx="1894902" cy="273792"/>
+            </a:xfrm>
+            <a:prstGeom prst="rect">
+              <a:avLst/>
+            </a:prstGeom>
+            <a:noFill/>
+            <a:ln w="28575">
+              <a:solidFill>
+                <a:srgbClr val="FF0000"/>
+              </a:solidFill>
+            </a:ln>
+          </p:spPr>
+          <p:style>
+            <a:lnRef idx="2">
+              <a:schemeClr val="accent1">
+                <a:shade val="15000"/>
+              </a:schemeClr>
+            </a:lnRef>
+            <a:fillRef idx="1">
+              <a:schemeClr val="accent1"/>
+            </a:fillRef>
+            <a:effectRef idx="0">
+              <a:schemeClr val="accent1"/>
+            </a:effectRef>
+            <a:fontRef idx="minor">
+              <a:schemeClr val="lt1"/>
+            </a:fontRef>
+          </p:style>
+          <p:txBody>
+            <a:bodyPr rtlCol="0" anchor="ctr"/>
+            <a:lstStyle/>
+            <a:p>
+              <a:pPr algn="ctr"/>
+              <a:endParaRPr lang="ko-KR" altLang="en-US"/>
+            </a:p>
+          </p:txBody>
+        </p:sp>
+        <p:cxnSp>
+          <p:nvCxnSpPr>
+            <p:cNvPr id="27" name="직선 화살표 연결선 26">
+              <a:extLst>
+                <a:ext uri="{FF2B5EF4-FFF2-40B4-BE49-F238E27FC236}">
+                  <a16:creationId xmlns:a16="http://schemas.microsoft.com/office/drawing/2014/main" id="{C76FA754-4082-DE70-9669-FC057F8A2E76}"/>
+                </a:ext>
+              </a:extLst>
+            </p:cNvPr>
+            <p:cNvCxnSpPr>
+              <a:cxnSpLocks/>
+              <a:stCxn id="25" idx="3"/>
+              <a:endCxn id="21" idx="1"/>
+            </p:cNvCxnSpPr>
+            <p:nvPr/>
+          </p:nvCxnSpPr>
+          <p:spPr>
+            <a:xfrm flipV="1">
+              <a:off x="3196630" y="2194420"/>
+              <a:ext cx="1224567" cy="99025"/>
+            </a:xfrm>
+            <a:prstGeom prst="straightConnector1">
+              <a:avLst/>
+            </a:prstGeom>
+            <a:ln w="28575">
+              <a:solidFill>
+                <a:srgbClr val="FF0000"/>
+              </a:solidFill>
+              <a:tailEnd type="triangle"/>
+            </a:ln>
+          </p:spPr>
+          <p:style>
+            <a:lnRef idx="1">
+              <a:schemeClr val="accent1"/>
+            </a:lnRef>
+            <a:fillRef idx="0">
+              <a:schemeClr val="accent1"/>
+            </a:fillRef>
+            <a:effectRef idx="0">
+              <a:schemeClr val="accent1"/>
+            </a:effectRef>
+            <a:fontRef idx="minor">
+              <a:schemeClr val="tx1"/>
+            </a:fontRef>
+          </p:style>
+        </p:cxnSp>
+        <p:cxnSp>
+          <p:nvCxnSpPr>
+            <p:cNvPr id="28" name="직선 화살표 연결선 27">
+              <a:extLst>
+                <a:ext uri="{FF2B5EF4-FFF2-40B4-BE49-F238E27FC236}">
+                  <a16:creationId xmlns:a16="http://schemas.microsoft.com/office/drawing/2014/main" id="{C952056C-3068-8261-0AB9-DA3FD2A54C42}"/>
+                </a:ext>
+              </a:extLst>
+            </p:cNvPr>
+            <p:cNvCxnSpPr>
+              <a:cxnSpLocks/>
+              <a:stCxn id="26" idx="3"/>
+              <a:endCxn id="22" idx="1"/>
+            </p:cNvCxnSpPr>
+            <p:nvPr/>
+          </p:nvCxnSpPr>
+          <p:spPr>
+            <a:xfrm flipV="1">
+              <a:off x="3273749" y="3237228"/>
+              <a:ext cx="1147448" cy="87376"/>
+            </a:xfrm>
+            <a:prstGeom prst="straightConnector1">
+              <a:avLst/>
+            </a:prstGeom>
+            <a:ln w="28575">
+              <a:solidFill>
+                <a:srgbClr val="FF0000"/>
+              </a:solidFill>
+              <a:tailEnd type="triangle"/>
+            </a:ln>
+          </p:spPr>
+          <p:style>
+            <a:lnRef idx="1">
+              <a:schemeClr val="accent1"/>
+            </a:lnRef>
+            <a:fillRef idx="0">
+              <a:schemeClr val="accent1"/>
+            </a:fillRef>
+            <a:effectRef idx="0">
+              <a:schemeClr val="accent1"/>
+            </a:effectRef>
+            <a:fontRef idx="minor">
+              <a:schemeClr val="tx1"/>
+            </a:fontRef>
+          </p:style>
+        </p:cxnSp>
+        <p:cxnSp>
+          <p:nvCxnSpPr>
+            <p:cNvPr id="29" name="직선 화살표 연결선 28">
+              <a:extLst>
+                <a:ext uri="{FF2B5EF4-FFF2-40B4-BE49-F238E27FC236}">
+                  <a16:creationId xmlns:a16="http://schemas.microsoft.com/office/drawing/2014/main" id="{2246BA67-CD22-D2ED-EFDB-64D83343E8E1}"/>
+                </a:ext>
+              </a:extLst>
+            </p:cNvPr>
+            <p:cNvCxnSpPr>
+              <a:cxnSpLocks/>
+              <a:stCxn id="24" idx="3"/>
+              <a:endCxn id="20" idx="1"/>
+            </p:cNvCxnSpPr>
+            <p:nvPr/>
+          </p:nvCxnSpPr>
+          <p:spPr>
+            <a:xfrm>
+              <a:off x="3028941" y="1382428"/>
+              <a:ext cx="1459123" cy="28788"/>
+            </a:xfrm>
+            <a:prstGeom prst="straightConnector1">
+              <a:avLst/>
+            </a:prstGeom>
+            <a:ln w="28575">
+              <a:solidFill>
+                <a:srgbClr val="FF0000"/>
+              </a:solidFill>
+              <a:tailEnd type="triangle"/>
+            </a:ln>
+          </p:spPr>
+          <p:style>
+            <a:lnRef idx="1">
+              <a:schemeClr val="accent1"/>
+            </a:lnRef>
+            <a:fillRef idx="0">
+              <a:schemeClr val="accent1"/>
+            </a:fillRef>
+            <a:effectRef idx="0">
+              <a:schemeClr val="accent1"/>
+            </a:effectRef>
+            <a:fontRef idx="minor">
+              <a:schemeClr val="tx1"/>
+            </a:fontRef>
+          </p:style>
+        </p:cxnSp>
+        <p:sp>
+          <p:nvSpPr>
+            <p:cNvPr id="17" name="직사각형 16">
+              <a:extLst>
+                <a:ext uri="{FF2B5EF4-FFF2-40B4-BE49-F238E27FC236}">
+                  <a16:creationId xmlns:a16="http://schemas.microsoft.com/office/drawing/2014/main" id="{822CD83D-C975-D43C-9F2C-7C77C73E7E2D}"/>
+                </a:ext>
+              </a:extLst>
+            </p:cNvPr>
+            <p:cNvSpPr/>
+            <p:nvPr/>
+          </p:nvSpPr>
+          <p:spPr>
+            <a:xfrm>
+              <a:off x="1751202" y="3230463"/>
+              <a:ext cx="1261264" cy="184666"/>
+            </a:xfrm>
+            <a:prstGeom prst="rect">
+              <a:avLst/>
+            </a:prstGeom>
+            <a:solidFill>
+              <a:schemeClr val="bg1"/>
+            </a:solidFill>
+            <a:ln>
+              <a:noFill/>
+            </a:ln>
+          </p:spPr>
+          <p:style>
+            <a:lnRef idx="2">
+              <a:schemeClr val="accent1">
+                <a:shade val="15000"/>
+              </a:schemeClr>
+            </a:lnRef>
+            <a:fillRef idx="1">
+              <a:schemeClr val="accent1"/>
+            </a:fillRef>
+            <a:effectRef idx="0">
+              <a:schemeClr val="accent1"/>
+            </a:effectRef>
+            <a:fontRef idx="minor">
+              <a:schemeClr val="lt1"/>
+            </a:fontRef>
+          </p:style>
+          <p:txBody>
+            <a:bodyPr rtlCol="0" anchor="ctr"/>
+            <a:lstStyle/>
+            <a:p>
+              <a:pPr algn="ctr"/>
+              <a:r>
+                <a:rPr lang="en-US" altLang="ko-KR" sz="1400" dirty="0" err="1">
+                  <a:solidFill>
+                    <a:schemeClr val="tx1"/>
+                  </a:solidFill>
+                </a:rPr>
+                <a:t>PID_Output</a:t>
+              </a:r>
+              <a:r>
+                <a:rPr lang="en-US" altLang="ko-KR" sz="1400" dirty="0">
+                  <a:solidFill>
+                    <a:schemeClr val="tx1"/>
+                  </a:solidFill>
+                </a:rPr>
+                <a:t>()</a:t>
+              </a:r>
+              <a:endParaRPr lang="ko-KR" altLang="en-US" sz="1400" dirty="0">
+                <a:solidFill>
+                  <a:schemeClr val="tx1"/>
+                </a:solidFill>
+              </a:endParaRPr>
+            </a:p>
+          </p:txBody>
+        </p:sp>
+      </p:grpSp>
+      <p:grpSp>
+        <p:nvGrpSpPr>
+          <p:cNvPr id="34" name="그룹 33">
+            <a:extLst>
+              <a:ext uri="{FF2B5EF4-FFF2-40B4-BE49-F238E27FC236}">
+                <a16:creationId xmlns:a16="http://schemas.microsoft.com/office/drawing/2014/main" id="{D243D0B5-AF78-7FB9-39CF-8820ADBA95A0}"/>
+              </a:ext>
+            </a:extLst>
+          </p:cNvPr>
+          <p:cNvGrpSpPr/>
+          <p:nvPr/>
+        </p:nvGrpSpPr>
+        <p:grpSpPr>
+          <a:xfrm>
+            <a:off x="5658418" y="1978679"/>
+            <a:ext cx="5506337" cy="685470"/>
+            <a:chOff x="5650023" y="1834233"/>
+            <a:chExt cx="5506337" cy="685470"/>
+          </a:xfrm>
+        </p:grpSpPr>
+        <p:sp>
+          <p:nvSpPr>
+            <p:cNvPr id="18" name="TextBox 17">
+              <a:extLst>
+                <a:ext uri="{FF2B5EF4-FFF2-40B4-BE49-F238E27FC236}">
+                  <a16:creationId xmlns:a16="http://schemas.microsoft.com/office/drawing/2014/main" id="{FB5F70E0-16F7-A1AA-9220-C6D7F3621E09}"/>
+                </a:ext>
+              </a:extLst>
+            </p:cNvPr>
+            <p:cNvSpPr txBox="1"/>
+            <p:nvPr/>
+          </p:nvSpPr>
+          <p:spPr>
+            <a:xfrm>
+              <a:off x="6097056" y="2150371"/>
+              <a:ext cx="1643076" cy="369332"/>
+            </a:xfrm>
+            <a:prstGeom prst="rect">
+              <a:avLst/>
+            </a:prstGeom>
+            <a:noFill/>
+          </p:spPr>
+          <p:txBody>
+            <a:bodyPr wrap="square" rtlCol="0">
+              <a:spAutoFit/>
+            </a:bodyPr>
+            <a:lstStyle/>
+            <a:p>
+              <a:r>
+                <a:rPr lang="en-US" altLang="ko-KR" dirty="0" err="1"/>
+                <a:t>Yaw__Control</a:t>
+              </a:r>
+              <a:endParaRPr lang="ko-KR" altLang="en-US" dirty="0"/>
+            </a:p>
+          </p:txBody>
+        </p:sp>
+        <p:sp>
+          <p:nvSpPr>
+            <p:cNvPr id="23" name="TextBox 22">
+              <a:extLst>
+                <a:ext uri="{FF2B5EF4-FFF2-40B4-BE49-F238E27FC236}">
+                  <a16:creationId xmlns:a16="http://schemas.microsoft.com/office/drawing/2014/main" id="{6A9477AC-365D-288E-2D5A-FC3530E64AD0}"/>
+                </a:ext>
+              </a:extLst>
+            </p:cNvPr>
+            <p:cNvSpPr txBox="1"/>
+            <p:nvPr/>
+          </p:nvSpPr>
+          <p:spPr>
+            <a:xfrm>
+              <a:off x="5650023" y="1834233"/>
+              <a:ext cx="5506337" cy="338554"/>
+            </a:xfrm>
+            <a:prstGeom prst="rect">
+              <a:avLst/>
+            </a:prstGeom>
+            <a:noFill/>
+          </p:spPr>
+          <p:txBody>
+            <a:bodyPr wrap="square" rtlCol="0">
+              <a:spAutoFit/>
+            </a:bodyPr>
+            <a:lstStyle/>
+            <a:p>
+              <a:r>
+                <a:rPr lang="en-US" altLang="ko-KR" sz="1600" b="1" dirty="0"/>
+                <a:t>Object</a:t>
+              </a:r>
+              <a:endParaRPr lang="ko-KR" altLang="en-US" sz="1600" b="1" dirty="0"/>
+            </a:p>
+          </p:txBody>
+        </p:sp>
+      </p:grpSp>
+      <p:sp>
+        <p:nvSpPr>
+          <p:cNvPr id="33" name="화살표: 오른쪽 32">
+            <a:extLst>
+              <a:ext uri="{FF2B5EF4-FFF2-40B4-BE49-F238E27FC236}">
+                <a16:creationId xmlns:a16="http://schemas.microsoft.com/office/drawing/2014/main" id="{0479FCC3-67B5-DE0F-E477-29B59D472542}"/>
               </a:ext>
             </a:extLst>
           </p:cNvPr>
@@ -7690,18 +8450,12 @@
         </p:nvSpPr>
         <p:spPr>
           <a:xfrm>
-            <a:off x="4860758" y="2180120"/>
-            <a:ext cx="637674" cy="191605"/>
-          </a:xfrm>
-          <a:prstGeom prst="rect">
+            <a:off x="5039552" y="2294897"/>
+            <a:ext cx="637674" cy="298144"/>
+          </a:xfrm>
+          <a:prstGeom prst="rightArrow">
             <a:avLst/>
           </a:prstGeom>
-          <a:solidFill>
-            <a:srgbClr val="FFFFFF"/>
-          </a:solidFill>
-          <a:ln>
-            <a:noFill/>
-          </a:ln>
         </p:spPr>
         <p:style>
           <a:lnRef idx="2">
@@ -7730,238 +8484,10 @@
       </p:sp>
       <p:sp>
         <p:nvSpPr>
-          <p:cNvPr id="20" name="TextBox 19">
+          <p:cNvPr id="35" name="화살표: 오른쪽 34">
             <a:extLst>
               <a:ext uri="{FF2B5EF4-FFF2-40B4-BE49-F238E27FC236}">
-                <a16:creationId xmlns:a16="http://schemas.microsoft.com/office/drawing/2014/main" id="{7F70B71A-ED4C-06C9-C211-65B8778E2C2D}"/>
-              </a:ext>
-            </a:extLst>
-          </p:cNvPr>
-          <p:cNvSpPr txBox="1"/>
-          <p:nvPr/>
-        </p:nvSpPr>
-        <p:spPr>
-          <a:xfrm>
-            <a:off x="4488064" y="1226550"/>
-            <a:ext cx="1403400" cy="369332"/>
-          </a:xfrm>
-          <a:prstGeom prst="rect">
-            <a:avLst/>
-          </a:prstGeom>
-          <a:noFill/>
-        </p:spPr>
-        <p:txBody>
-          <a:bodyPr wrap="square" rtlCol="0">
-            <a:spAutoFit/>
-          </a:bodyPr>
-          <a:lstStyle/>
-          <a:p>
-            <a:r>
-              <a:rPr lang="en-US" altLang="ko-KR" dirty="0"/>
-              <a:t>Class</a:t>
-            </a:r>
-            <a:endParaRPr lang="ko-KR" altLang="en-US" dirty="0"/>
-          </a:p>
-        </p:txBody>
-      </p:sp>
-      <p:sp>
-        <p:nvSpPr>
-          <p:cNvPr id="21" name="TextBox 20">
-            <a:extLst>
-              <a:ext uri="{FF2B5EF4-FFF2-40B4-BE49-F238E27FC236}">
-                <a16:creationId xmlns:a16="http://schemas.microsoft.com/office/drawing/2014/main" id="{9F74B0F4-F0C4-C269-F0FC-74D02E6920E7}"/>
-              </a:ext>
-            </a:extLst>
-          </p:cNvPr>
-          <p:cNvSpPr txBox="1"/>
-          <p:nvPr/>
-        </p:nvSpPr>
-        <p:spPr>
-          <a:xfrm>
-            <a:off x="4421197" y="2009754"/>
-            <a:ext cx="1403400" cy="369332"/>
-          </a:xfrm>
-          <a:prstGeom prst="rect">
-            <a:avLst/>
-          </a:prstGeom>
-          <a:noFill/>
-        </p:spPr>
-        <p:txBody>
-          <a:bodyPr wrap="square" rtlCol="0">
-            <a:spAutoFit/>
-          </a:bodyPr>
-          <a:lstStyle/>
-          <a:p>
-            <a:r>
-              <a:rPr lang="en-US" altLang="ko-KR" dirty="0"/>
-              <a:t>Attribute</a:t>
-            </a:r>
-            <a:endParaRPr lang="ko-KR" altLang="en-US" dirty="0"/>
-          </a:p>
-        </p:txBody>
-      </p:sp>
-      <p:sp>
-        <p:nvSpPr>
-          <p:cNvPr id="22" name="TextBox 21">
-            <a:extLst>
-              <a:ext uri="{FF2B5EF4-FFF2-40B4-BE49-F238E27FC236}">
-                <a16:creationId xmlns:a16="http://schemas.microsoft.com/office/drawing/2014/main" id="{F0DFAF92-E43C-EAF3-7DB2-1EEA720F8A7B}"/>
-              </a:ext>
-            </a:extLst>
-          </p:cNvPr>
-          <p:cNvSpPr txBox="1"/>
-          <p:nvPr/>
-        </p:nvSpPr>
-        <p:spPr>
-          <a:xfrm>
-            <a:off x="4421197" y="3052562"/>
-            <a:ext cx="1403400" cy="369332"/>
-          </a:xfrm>
-          <a:prstGeom prst="rect">
-            <a:avLst/>
-          </a:prstGeom>
-          <a:noFill/>
-        </p:spPr>
-        <p:txBody>
-          <a:bodyPr wrap="square" rtlCol="0">
-            <a:spAutoFit/>
-          </a:bodyPr>
-          <a:lstStyle/>
-          <a:p>
-            <a:r>
-              <a:rPr lang="en-US" altLang="ko-KR" dirty="0"/>
-              <a:t>Method</a:t>
-            </a:r>
-            <a:endParaRPr lang="ko-KR" altLang="en-US" dirty="0"/>
-          </a:p>
-        </p:txBody>
-      </p:sp>
-      <p:sp>
-        <p:nvSpPr>
-          <p:cNvPr id="30" name="TextBox 29">
-            <a:extLst>
-              <a:ext uri="{FF2B5EF4-FFF2-40B4-BE49-F238E27FC236}">
-                <a16:creationId xmlns:a16="http://schemas.microsoft.com/office/drawing/2014/main" id="{8494F371-71C6-F09C-1B1F-516F67C8E9A9}"/>
-              </a:ext>
-            </a:extLst>
-          </p:cNvPr>
-          <p:cNvSpPr txBox="1"/>
-          <p:nvPr/>
-        </p:nvSpPr>
-        <p:spPr>
-          <a:xfrm>
-            <a:off x="7352476" y="2367612"/>
-            <a:ext cx="3162016" cy="1200329"/>
-          </a:xfrm>
-          <a:prstGeom prst="rect">
-            <a:avLst/>
-          </a:prstGeom>
-          <a:noFill/>
-        </p:spPr>
-        <p:txBody>
-          <a:bodyPr wrap="square" rtlCol="0">
-            <a:spAutoFit/>
-          </a:bodyPr>
-          <a:lstStyle/>
-          <a:p>
-            <a:r>
-              <a:rPr lang="en-US" altLang="ko-KR" dirty="0"/>
-              <a:t>aa10_lidar_cone_tracking</a:t>
-            </a:r>
-          </a:p>
-          <a:p>
-            <a:r>
-              <a:rPr lang="en-US" altLang="ko-KR" dirty="0"/>
-              <a:t>aa10_ros_lane_control</a:t>
-            </a:r>
-          </a:p>
-          <a:p>
-            <a:r>
-              <a:rPr lang="en-US" altLang="ko-KR" dirty="0"/>
-              <a:t>aa10_lidar_overtake_control</a:t>
-            </a:r>
-          </a:p>
-          <a:p>
-            <a:r>
-              <a:rPr lang="en-US" altLang="ko-KR" dirty="0"/>
-              <a:t>aa10_lidar_maze_control</a:t>
-            </a:r>
-            <a:endParaRPr lang="ko-KR" altLang="en-US" dirty="0"/>
-          </a:p>
-        </p:txBody>
-      </p:sp>
-      <p:sp>
-        <p:nvSpPr>
-          <p:cNvPr id="31" name="TextBox 30">
-            <a:extLst>
-              <a:ext uri="{FF2B5EF4-FFF2-40B4-BE49-F238E27FC236}">
-                <a16:creationId xmlns:a16="http://schemas.microsoft.com/office/drawing/2014/main" id="{9638B86B-C843-3418-B632-2F3CA099ECC3}"/>
-              </a:ext>
-            </a:extLst>
-          </p:cNvPr>
-          <p:cNvSpPr txBox="1"/>
-          <p:nvPr/>
-        </p:nvSpPr>
-        <p:spPr>
-          <a:xfrm>
-            <a:off x="6905443" y="2051474"/>
-            <a:ext cx="5506337" cy="338554"/>
-          </a:xfrm>
-          <a:prstGeom prst="rect">
-            <a:avLst/>
-          </a:prstGeom>
-          <a:noFill/>
-        </p:spPr>
-        <p:txBody>
-          <a:bodyPr wrap="square" rtlCol="0">
-            <a:spAutoFit/>
-          </a:bodyPr>
-          <a:lstStyle/>
-          <a:p>
-            <a:r>
-              <a:rPr lang="en-US" altLang="ko-KR" sz="1600" b="1" dirty="0"/>
-              <a:t>Object</a:t>
-            </a:r>
-            <a:endParaRPr lang="ko-KR" altLang="en-US" sz="1600" b="1" dirty="0"/>
-          </a:p>
-        </p:txBody>
-      </p:sp>
-      <p:pic>
-        <p:nvPicPr>
-          <p:cNvPr id="19" name="그림 18">
-            <a:extLst>
-              <a:ext uri="{FF2B5EF4-FFF2-40B4-BE49-F238E27FC236}">
-                <a16:creationId xmlns:a16="http://schemas.microsoft.com/office/drawing/2014/main" id="{993EC579-440A-7EDC-316C-88C03913681A}"/>
-              </a:ext>
-            </a:extLst>
-          </p:cNvPr>
-          <p:cNvPicPr>
-            <a:picLocks noChangeAspect="1"/>
-          </p:cNvPicPr>
-          <p:nvPr/>
-        </p:nvPicPr>
-        <p:blipFill>
-          <a:blip r:embed="rId2"/>
-          <a:stretch>
-            <a:fillRect/>
-          </a:stretch>
-        </p:blipFill>
-        <p:spPr>
-          <a:xfrm>
-            <a:off x="1259034" y="1236385"/>
-            <a:ext cx="2245600" cy="2370989"/>
-          </a:xfrm>
-          <a:prstGeom prst="rect">
-            <a:avLst/>
-          </a:prstGeom>
-        </p:spPr>
-      </p:pic>
-      <p:sp>
-        <p:nvSpPr>
-          <p:cNvPr id="24" name="직사각형 23">
-            <a:extLst>
-              <a:ext uri="{FF2B5EF4-FFF2-40B4-BE49-F238E27FC236}">
-                <a16:creationId xmlns:a16="http://schemas.microsoft.com/office/drawing/2014/main" id="{113FB522-C97B-36C4-AA0F-39B2FEDF234C}"/>
+                <a16:creationId xmlns:a16="http://schemas.microsoft.com/office/drawing/2014/main" id="{F799309F-46C7-7781-DA9D-896686410686}"/>
               </a:ext>
             </a:extLst>
           </p:cNvPr>
@@ -7970,18 +8496,12 @@
         </p:nvSpPr>
         <p:spPr>
           <a:xfrm>
-            <a:off x="1606541" y="1241939"/>
-            <a:ext cx="1422400" cy="280977"/>
-          </a:xfrm>
-          <a:prstGeom prst="rect">
+            <a:off x="7898156" y="2339832"/>
+            <a:ext cx="637674" cy="298144"/>
+          </a:xfrm>
+          <a:prstGeom prst="rightArrow">
             <a:avLst/>
           </a:prstGeom>
-          <a:noFill/>
-          <a:ln w="28575">
-            <a:solidFill>
-              <a:srgbClr val="FF0000"/>
-            </a:solidFill>
-          </a:ln>
         </p:spPr>
         <p:style>
           <a:lnRef idx="2">
@@ -8008,248 +8528,6 @@
           </a:p>
         </p:txBody>
       </p:sp>
-      <p:sp>
-        <p:nvSpPr>
-          <p:cNvPr id="25" name="직사각형 24">
-            <a:extLst>
-              <a:ext uri="{FF2B5EF4-FFF2-40B4-BE49-F238E27FC236}">
-                <a16:creationId xmlns:a16="http://schemas.microsoft.com/office/drawing/2014/main" id="{EC93D68A-3FAF-D35A-515A-C28ACE1F2FEB}"/>
-              </a:ext>
-            </a:extLst>
-          </p:cNvPr>
-          <p:cNvSpPr/>
-          <p:nvPr/>
-        </p:nvSpPr>
-        <p:spPr>
-          <a:xfrm>
-            <a:off x="1378847" y="1573934"/>
-            <a:ext cx="1817783" cy="1439022"/>
-          </a:xfrm>
-          <a:prstGeom prst="rect">
-            <a:avLst/>
-          </a:prstGeom>
-          <a:noFill/>
-          <a:ln w="28575">
-            <a:solidFill>
-              <a:srgbClr val="FF0000"/>
-            </a:solidFill>
-          </a:ln>
-        </p:spPr>
-        <p:style>
-          <a:lnRef idx="2">
-            <a:schemeClr val="accent1">
-              <a:shade val="15000"/>
-            </a:schemeClr>
-          </a:lnRef>
-          <a:fillRef idx="1">
-            <a:schemeClr val="accent1"/>
-          </a:fillRef>
-          <a:effectRef idx="0">
-            <a:schemeClr val="accent1"/>
-          </a:effectRef>
-          <a:fontRef idx="minor">
-            <a:schemeClr val="lt1"/>
-          </a:fontRef>
-        </p:style>
-        <p:txBody>
-          <a:bodyPr rtlCol="0" anchor="ctr"/>
-          <a:lstStyle/>
-          <a:p>
-            <a:pPr algn="ctr"/>
-            <a:endParaRPr lang="ko-KR" altLang="en-US"/>
-          </a:p>
-        </p:txBody>
-      </p:sp>
-      <p:sp>
-        <p:nvSpPr>
-          <p:cNvPr id="26" name="직사각형 25">
-            <a:extLst>
-              <a:ext uri="{FF2B5EF4-FFF2-40B4-BE49-F238E27FC236}">
-                <a16:creationId xmlns:a16="http://schemas.microsoft.com/office/drawing/2014/main" id="{2B7EE1C4-E7B1-CB0A-B3A3-373A7B04A48F}"/>
-              </a:ext>
-            </a:extLst>
-          </p:cNvPr>
-          <p:cNvSpPr/>
-          <p:nvPr/>
-        </p:nvSpPr>
-        <p:spPr>
-          <a:xfrm>
-            <a:off x="1378847" y="3187708"/>
-            <a:ext cx="1894902" cy="273792"/>
-          </a:xfrm>
-          <a:prstGeom prst="rect">
-            <a:avLst/>
-          </a:prstGeom>
-          <a:noFill/>
-          <a:ln w="28575">
-            <a:solidFill>
-              <a:srgbClr val="FF0000"/>
-            </a:solidFill>
-          </a:ln>
-        </p:spPr>
-        <p:style>
-          <a:lnRef idx="2">
-            <a:schemeClr val="accent1">
-              <a:shade val="15000"/>
-            </a:schemeClr>
-          </a:lnRef>
-          <a:fillRef idx="1">
-            <a:schemeClr val="accent1"/>
-          </a:fillRef>
-          <a:effectRef idx="0">
-            <a:schemeClr val="accent1"/>
-          </a:effectRef>
-          <a:fontRef idx="minor">
-            <a:schemeClr val="lt1"/>
-          </a:fontRef>
-        </p:style>
-        <p:txBody>
-          <a:bodyPr rtlCol="0" anchor="ctr"/>
-          <a:lstStyle/>
-          <a:p>
-            <a:pPr algn="ctr"/>
-            <a:endParaRPr lang="ko-KR" altLang="en-US"/>
-          </a:p>
-        </p:txBody>
-      </p:sp>
-      <p:cxnSp>
-        <p:nvCxnSpPr>
-          <p:cNvPr id="27" name="직선 화살표 연결선 26">
-            <a:extLst>
-              <a:ext uri="{FF2B5EF4-FFF2-40B4-BE49-F238E27FC236}">
-                <a16:creationId xmlns:a16="http://schemas.microsoft.com/office/drawing/2014/main" id="{C76FA754-4082-DE70-9669-FC057F8A2E76}"/>
-              </a:ext>
-            </a:extLst>
-          </p:cNvPr>
-          <p:cNvCxnSpPr>
-            <a:cxnSpLocks/>
-            <a:stCxn id="25" idx="3"/>
-            <a:endCxn id="21" idx="1"/>
-          </p:cNvCxnSpPr>
-          <p:nvPr/>
-        </p:nvCxnSpPr>
-        <p:spPr>
-          <a:xfrm flipV="1">
-            <a:off x="3196630" y="2194420"/>
-            <a:ext cx="1224567" cy="99025"/>
-          </a:xfrm>
-          <a:prstGeom prst="straightConnector1">
-            <a:avLst/>
-          </a:prstGeom>
-          <a:ln w="28575">
-            <a:solidFill>
-              <a:srgbClr val="FF0000"/>
-            </a:solidFill>
-            <a:tailEnd type="triangle"/>
-          </a:ln>
-        </p:spPr>
-        <p:style>
-          <a:lnRef idx="1">
-            <a:schemeClr val="accent1"/>
-          </a:lnRef>
-          <a:fillRef idx="0">
-            <a:schemeClr val="accent1"/>
-          </a:fillRef>
-          <a:effectRef idx="0">
-            <a:schemeClr val="accent1"/>
-          </a:effectRef>
-          <a:fontRef idx="minor">
-            <a:schemeClr val="tx1"/>
-          </a:fontRef>
-        </p:style>
-      </p:cxnSp>
-      <p:cxnSp>
-        <p:nvCxnSpPr>
-          <p:cNvPr id="28" name="직선 화살표 연결선 27">
-            <a:extLst>
-              <a:ext uri="{FF2B5EF4-FFF2-40B4-BE49-F238E27FC236}">
-                <a16:creationId xmlns:a16="http://schemas.microsoft.com/office/drawing/2014/main" id="{C952056C-3068-8261-0AB9-DA3FD2A54C42}"/>
-              </a:ext>
-            </a:extLst>
-          </p:cNvPr>
-          <p:cNvCxnSpPr>
-            <a:cxnSpLocks/>
-            <a:stCxn id="26" idx="3"/>
-            <a:endCxn id="22" idx="1"/>
-          </p:cNvCxnSpPr>
-          <p:nvPr/>
-        </p:nvCxnSpPr>
-        <p:spPr>
-          <a:xfrm flipV="1">
-            <a:off x="3273749" y="3237228"/>
-            <a:ext cx="1147448" cy="87376"/>
-          </a:xfrm>
-          <a:prstGeom prst="straightConnector1">
-            <a:avLst/>
-          </a:prstGeom>
-          <a:ln w="28575">
-            <a:solidFill>
-              <a:srgbClr val="FF0000"/>
-            </a:solidFill>
-            <a:tailEnd type="triangle"/>
-          </a:ln>
-        </p:spPr>
-        <p:style>
-          <a:lnRef idx="1">
-            <a:schemeClr val="accent1"/>
-          </a:lnRef>
-          <a:fillRef idx="0">
-            <a:schemeClr val="accent1"/>
-          </a:fillRef>
-          <a:effectRef idx="0">
-            <a:schemeClr val="accent1"/>
-          </a:effectRef>
-          <a:fontRef idx="minor">
-            <a:schemeClr val="tx1"/>
-          </a:fontRef>
-        </p:style>
-      </p:cxnSp>
-      <p:cxnSp>
-        <p:nvCxnSpPr>
-          <p:cNvPr id="29" name="직선 화살표 연결선 28">
-            <a:extLst>
-              <a:ext uri="{FF2B5EF4-FFF2-40B4-BE49-F238E27FC236}">
-                <a16:creationId xmlns:a16="http://schemas.microsoft.com/office/drawing/2014/main" id="{2246BA67-CD22-D2ED-EFDB-64D83343E8E1}"/>
-              </a:ext>
-            </a:extLst>
-          </p:cNvPr>
-          <p:cNvCxnSpPr>
-            <a:cxnSpLocks/>
-            <a:stCxn id="24" idx="3"/>
-            <a:endCxn id="20" idx="1"/>
-          </p:cNvCxnSpPr>
-          <p:nvPr/>
-        </p:nvCxnSpPr>
-        <p:spPr>
-          <a:xfrm>
-            <a:off x="3028941" y="1382428"/>
-            <a:ext cx="1459123" cy="28788"/>
-          </a:xfrm>
-          <a:prstGeom prst="straightConnector1">
-            <a:avLst/>
-          </a:prstGeom>
-          <a:ln w="28575">
-            <a:solidFill>
-              <a:srgbClr val="FF0000"/>
-            </a:solidFill>
-            <a:tailEnd type="triangle"/>
-          </a:ln>
-        </p:spPr>
-        <p:style>
-          <a:lnRef idx="1">
-            <a:schemeClr val="accent1"/>
-          </a:lnRef>
-          <a:fillRef idx="0">
-            <a:schemeClr val="accent1"/>
-          </a:fillRef>
-          <a:effectRef idx="0">
-            <a:schemeClr val="accent1"/>
-          </a:effectRef>
-          <a:fontRef idx="minor">
-            <a:schemeClr val="tx1"/>
-          </a:fontRef>
-        </p:style>
-      </p:cxnSp>
     </p:spTree>
     <p:extLst>
       <p:ext uri="{BB962C8B-B14F-4D97-AF65-F5344CB8AC3E}">
@@ -9270,6 +9548,58 @@
           </a:fontRef>
         </p:style>
       </p:cxnSp>
+      <p:sp>
+        <p:nvSpPr>
+          <p:cNvPr id="15" name="직사각형 14">
+            <a:extLst>
+              <a:ext uri="{FF2B5EF4-FFF2-40B4-BE49-F238E27FC236}">
+                <a16:creationId xmlns:a16="http://schemas.microsoft.com/office/drawing/2014/main" id="{5A4B71B7-1A8F-87D5-F232-654B8943DC3E}"/>
+              </a:ext>
+            </a:extLst>
+          </p:cNvPr>
+          <p:cNvSpPr/>
+          <p:nvPr/>
+        </p:nvSpPr>
+        <p:spPr>
+          <a:xfrm>
+            <a:off x="5197971" y="3346695"/>
+            <a:ext cx="162426" cy="184666"/>
+          </a:xfrm>
+          <a:prstGeom prst="rect">
+            <a:avLst/>
+          </a:prstGeom>
+          <a:solidFill>
+            <a:schemeClr val="bg1"/>
+          </a:solidFill>
+          <a:ln>
+            <a:noFill/>
+          </a:ln>
+        </p:spPr>
+        <p:style>
+          <a:lnRef idx="2">
+            <a:schemeClr val="accent1">
+              <a:shade val="15000"/>
+            </a:schemeClr>
+          </a:lnRef>
+          <a:fillRef idx="1">
+            <a:schemeClr val="accent1"/>
+          </a:fillRef>
+          <a:effectRef idx="0">
+            <a:schemeClr val="accent1"/>
+          </a:effectRef>
+          <a:fontRef idx="minor">
+            <a:schemeClr val="lt1"/>
+          </a:fontRef>
+        </p:style>
+        <p:txBody>
+          <a:bodyPr rtlCol="0" anchor="ctr"/>
+          <a:lstStyle/>
+          <a:p>
+            <a:pPr algn="ctr"/>
+            <a:endParaRPr lang="ko-KR" altLang="en-US"/>
+          </a:p>
+        </p:txBody>
+      </p:sp>
     </p:spTree>
     <p:extLst>
       <p:ext uri="{BB962C8B-B14F-4D97-AF65-F5344CB8AC3E}">
